--- a/resources/PythonReview_1.pptx
+++ b/resources/PythonReview_1.pptx
@@ -243,7 +243,7 @@
           <a:p>
             <a:fld id="{023AB371-9479-4211-AEA2-B8B235DBD730}" type="datetimeFigureOut">
               <a:rPr lang="en-US" smtClean="0"/>
-              <a:t>1/21/2020</a:t>
+              <a:t>1/26/2020</a:t>
             </a:fld>
             <a:endParaRPr lang="en-US"/>
           </a:p>
@@ -408,7 +408,7 @@
           <a:p>
             <a:fld id="{3BE0F1DC-89DC-4407-B031-C64D21A63C8E}" type="datetimeFigureOut">
               <a:rPr lang="en-US" smtClean="0"/>
-              <a:t>1/21/2020</a:t>
+              <a:t>1/26/2020</a:t>
             </a:fld>
             <a:endParaRPr lang="en-US"/>
           </a:p>
@@ -888,7 +888,7 @@
           <a:p>
             <a:fld id="{EAC6DD1A-DB46-4DE9-B199-B2FE535F0796}" type="datetime1">
               <a:rPr lang="en-US" smtClean="0"/>
-              <a:t>1/21/2020</a:t>
+              <a:t>1/26/2020</a:t>
             </a:fld>
             <a:endParaRPr lang="en-US"/>
           </a:p>
@@ -1056,7 +1056,7 @@
           <a:p>
             <a:fld id="{790617B3-9292-4403-AC8C-CE70F1933C12}" type="datetime1">
               <a:rPr lang="en-US" smtClean="0"/>
-              <a:t>1/21/2020</a:t>
+              <a:t>1/26/2020</a:t>
             </a:fld>
             <a:endParaRPr lang="en-US"/>
           </a:p>
@@ -1234,7 +1234,7 @@
           <a:p>
             <a:fld id="{96C89685-F276-430A-8654-04914813DB04}" type="datetime1">
               <a:rPr lang="en-US" smtClean="0"/>
-              <a:t>1/21/2020</a:t>
+              <a:t>1/26/2020</a:t>
             </a:fld>
             <a:endParaRPr lang="en-US"/>
           </a:p>
@@ -1406,7 +1406,7 @@
           <a:p>
             <a:fld id="{7428BE0C-F798-44C1-BF61-615514117515}" type="datetime1">
               <a:rPr lang="en-US" smtClean="0"/>
-              <a:t>1/21/2020</a:t>
+              <a:t>1/26/2020</a:t>
             </a:fld>
             <a:endParaRPr lang="en-US"/>
           </a:p>
@@ -1651,7 +1651,7 @@
           <a:p>
             <a:fld id="{638D9F68-CEAC-4C1F-A1F1-3BCAF2B06B58}" type="datetime1">
               <a:rPr lang="en-US" smtClean="0"/>
-              <a:t>1/21/2020</a:t>
+              <a:t>1/26/2020</a:t>
             </a:fld>
             <a:endParaRPr lang="en-US"/>
           </a:p>
@@ -1880,7 +1880,7 @@
           <a:p>
             <a:fld id="{A346C6D6-79EA-4D53-8AE7-5F6F5F736EB9}" type="datetime1">
               <a:rPr lang="en-US" smtClean="0"/>
-              <a:t>1/21/2020</a:t>
+              <a:t>1/26/2020</a:t>
             </a:fld>
             <a:endParaRPr lang="en-US"/>
           </a:p>
@@ -2244,7 +2244,7 @@
           <a:p>
             <a:fld id="{6E092D23-7948-4023-A9B1-EC40528BF935}" type="datetime1">
               <a:rPr lang="en-US" smtClean="0"/>
-              <a:t>1/21/2020</a:t>
+              <a:t>1/26/2020</a:t>
             </a:fld>
             <a:endParaRPr lang="en-US"/>
           </a:p>
@@ -2361,7 +2361,7 @@
           <a:p>
             <a:fld id="{CB7F9289-E90C-40AA-9479-E06605E009D1}" type="datetime1">
               <a:rPr lang="en-US" smtClean="0"/>
-              <a:t>1/21/2020</a:t>
+              <a:t>1/26/2020</a:t>
             </a:fld>
             <a:endParaRPr lang="en-US"/>
           </a:p>
@@ -2456,7 +2456,7 @@
           <a:p>
             <a:fld id="{77B87E22-A063-4A64-AA63-4C57F03AF091}" type="datetime1">
               <a:rPr lang="en-US" smtClean="0"/>
-              <a:t>1/21/2020</a:t>
+              <a:t>1/26/2020</a:t>
             </a:fld>
             <a:endParaRPr lang="en-US"/>
           </a:p>
@@ -2731,7 +2731,7 @@
           <a:p>
             <a:fld id="{AC696D8C-2084-406E-8355-4B70646298D8}" type="datetime1">
               <a:rPr lang="en-US" smtClean="0"/>
-              <a:t>1/21/2020</a:t>
+              <a:t>1/26/2020</a:t>
             </a:fld>
             <a:endParaRPr lang="en-US"/>
           </a:p>
@@ -2983,7 +2983,7 @@
           <a:p>
             <a:fld id="{FD6E1C9B-9226-4DE6-8A54-EC9D97CE7113}" type="datetime1">
               <a:rPr lang="en-US" smtClean="0"/>
-              <a:t>1/21/2020</a:t>
+              <a:t>1/26/2020</a:t>
             </a:fld>
             <a:endParaRPr lang="en-US"/>
           </a:p>
@@ -3194,7 +3194,7 @@
           <a:p>
             <a:fld id="{A124E9DD-72DA-4B57-B242-DDD62FE3B182}" type="datetime1">
               <a:rPr lang="en-US" smtClean="0"/>
-              <a:t>1/21/2020</a:t>
+              <a:t>1/26/2020</a:t>
             </a:fld>
             <a:endParaRPr lang="en-US"/>
           </a:p>
@@ -4624,7 +4624,7 @@
                 <a:latin typeface="Courier New" panose="02070309020205020404" pitchFamily="49" charset="0"/>
                 <a:cs typeface="Courier New" panose="02070309020205020404" pitchFamily="49" charset="0"/>
               </a:rPr>
-              <a:t>If</a:t>
+              <a:t>if</a:t>
             </a:r>
             <a:r>
               <a:rPr lang="en-US" dirty="0"/>
@@ -4635,7 +4635,7 @@
                 <a:latin typeface="Courier New" panose="02070309020205020404" pitchFamily="49" charset="0"/>
                 <a:cs typeface="Courier New" panose="02070309020205020404" pitchFamily="49" charset="0"/>
               </a:rPr>
-              <a:t>For</a:t>
+              <a:t>for</a:t>
             </a:r>
             <a:r>
               <a:rPr lang="en-US" dirty="0"/>
@@ -4688,7 +4688,7 @@
                 <a:latin typeface="Courier New" panose="02070309020205020404" pitchFamily="49" charset="0"/>
                 <a:cs typeface="Courier New" panose="02070309020205020404" pitchFamily="49" charset="0"/>
               </a:rPr>
-              <a:t>If (x &lt;0): </a:t>
+              <a:t>if (x &lt;0): </a:t>
             </a:r>
           </a:p>
           <a:p>
@@ -4769,7 +4769,7 @@
                 <a:latin typeface="Courier New" panose="02070309020205020404" pitchFamily="49" charset="0"/>
                 <a:cs typeface="Courier New" panose="02070309020205020404" pitchFamily="49" charset="0"/>
               </a:rPr>
-              <a:t>For char in “MIS464”:</a:t>
+              <a:t>for char in “MIS464”:</a:t>
             </a:r>
           </a:p>
           <a:p>
@@ -6025,7 +6025,7 @@
                 <a:latin typeface="Courier New" panose="02070309020205020404" pitchFamily="49" charset="0"/>
                 <a:cs typeface="Courier New" panose="02070309020205020404" pitchFamily="49" charset="0"/>
               </a:rPr>
-              <a:t>	if (char == 4):</a:t>
+              <a:t>	if (char == ‘4’):</a:t>
             </a:r>
           </a:p>
           <a:p>
@@ -6240,7 +6240,7 @@
                 <a:latin typeface="Courier New" panose="02070309020205020404" pitchFamily="49" charset="0"/>
                 <a:cs typeface="Courier New" panose="02070309020205020404" pitchFamily="49" charset="0"/>
               </a:rPr>
-              <a:t>	if (char == 4):</a:t>
+              <a:t>	if (char == ‘4’):</a:t>
             </a:r>
           </a:p>
           <a:p>
